--- a/Bloque 3 - Machine Learning/documentos/02_ML concepts.pptx
+++ b/Bloque 3 - Machine Learning/documentos/02_ML concepts.pptx
@@ -271,8 +271,11 @@
     </a:lvl9pPr>
   </p:defaultTextStyle>
   <p:extLst>
+    <p:ext uri="{EFAFB233-063F-42B5-8137-9DF3F51BA10A}">
+      <p15:sldGuideLst xmlns:p15="http://schemas.microsoft.com/office/powerpoint/2012/main"/>
+    </p:ext>
     <p:ext uri="http://customooxmlschemas.google.com/">
-      <go:slidesCustomData xmlns:go="http://customooxmlschemas.google.com/" xmlns:ahyp="http://schemas.microsoft.com/office/drawing/2018/hyperlinkcolor" xmlns:p15="http://schemas.microsoft.com/office/powerpoint/2012/main" xmlns:p14="http://schemas.microsoft.com/office/powerpoint/2010/main" xmlns:com="http://schemas.openxmlformats.org/drawingml/2006/compatibility" xmlns:pvml="urn:schemas-microsoft-com:office:powerpoint" xmlns:v="urn:schemas-microsoft-com:vml" xmlns:o="urn:schemas-microsoft-com:office:office" xmlns:dgm="http://schemas.openxmlformats.org/drawingml/2006/diagram" xmlns:c="http://schemas.openxmlformats.org/drawingml/2006/chart" xmlns:mv="urn:schemas-microsoft-com:mac:vml" xmlns:mc="http://schemas.openxmlformats.org/markup-compatibility/2006" xmlns="" r:id="rId35" roundtripDataSignature="AMtx7miuGAYpEUa6YWxgWsB/YZMBTWybsQ=="/>
+      <go:slidesCustomData xmlns="" xmlns:mc="http://schemas.openxmlformats.org/markup-compatibility/2006" xmlns:mv="urn:schemas-microsoft-com:mac:vml" xmlns:c="http://schemas.openxmlformats.org/drawingml/2006/chart" xmlns:dgm="http://schemas.openxmlformats.org/drawingml/2006/diagram" xmlns:o="urn:schemas-microsoft-com:office:office" xmlns:v="urn:schemas-microsoft-com:vml" xmlns:pvml="urn:schemas-microsoft-com:office:powerpoint" xmlns:com="http://schemas.openxmlformats.org/drawingml/2006/compatibility" xmlns:p14="http://schemas.microsoft.com/office/powerpoint/2010/main" xmlns:p15="http://schemas.microsoft.com/office/powerpoint/2012/main" xmlns:ahyp="http://schemas.microsoft.com/office/drawing/2018/hyperlinkcolor" xmlns:go="http://customooxmlschemas.google.com/" r:id="rId35" roundtripDataSignature="AMtx7miuGAYpEUa6YWxgWsB/YZMBTWybsQ=="/>
     </p:ext>
   </p:extLst>
 </p:presentation>
@@ -16448,18 +16451,18 @@
               <a:buNone/>
             </a:pPr>
             <a:r>
-              <a:rPr lang="es-ES"/>
+              <a:rPr lang="es-ES" dirty="0"/>
               <a:t>¡Ya tenemos el modelo! </a:t>
             </a:r>
             <a:r>
-              <a:rPr lang="es-ES">
+              <a:rPr lang="es-ES" dirty="0">
                 <a:solidFill>
                   <a:srgbClr val="C00000"/>
                 </a:solidFill>
               </a:rPr>
               <a:t>Vamos a ponerlo en producción</a:t>
             </a:r>
-            <a:endParaRPr/>
+            <a:endParaRPr dirty="0"/>
           </a:p>
         </p:txBody>
       </p:sp>
@@ -30338,7 +30341,7 @@
               <a:buNone/>
             </a:pPr>
             <a:r>
-              <a:rPr lang="es-ES" sz="1400">
+              <a:rPr lang="es-ES" sz="1400" dirty="0">
                 <a:solidFill>
                   <a:schemeClr val="lt1"/>
                 </a:solidFill>
@@ -30347,10 +30350,34 @@
                 <a:cs typeface="Calibri"/>
                 <a:sym typeface="Calibri"/>
               </a:rPr>
-              <a:t>Cuidado al aplicar modificaciones en los conjuntos de train/test. </a:t>
+              <a:t>Cuidado al aplicar modificaciones en los conjuntos de </a:t>
             </a:r>
             <a:r>
-              <a:rPr lang="es-ES" sz="1600" b="1">
+              <a:rPr lang="es-ES" sz="1400" dirty="0" err="1">
+                <a:solidFill>
+                  <a:schemeClr val="lt1"/>
+                </a:solidFill>
+                <a:latin typeface="Calibri"/>
+                <a:ea typeface="Calibri"/>
+                <a:cs typeface="Calibri"/>
+                <a:sym typeface="Calibri"/>
+              </a:rPr>
+              <a:t>train</a:t>
+            </a:r>
+            <a:r>
+              <a:rPr lang="es-ES" sz="1400" dirty="0">
+                <a:solidFill>
+                  <a:schemeClr val="lt1"/>
+                </a:solidFill>
+                <a:latin typeface="Calibri"/>
+                <a:ea typeface="Calibri"/>
+                <a:cs typeface="Calibri"/>
+                <a:sym typeface="Calibri"/>
+              </a:rPr>
+              <a:t>/test. </a:t>
+            </a:r>
+            <a:r>
+              <a:rPr lang="es-ES" sz="1600" b="1" dirty="0">
                 <a:solidFill>
                   <a:schemeClr val="lt1"/>
                 </a:solidFill>
@@ -30362,7 +30389,7 @@
               <a:t>No podemos contaminar ambos conjuntos con datos del otro</a:t>
             </a:r>
             <a:r>
-              <a:rPr lang="es-ES" sz="1400">
+              <a:rPr lang="es-ES" sz="1400" dirty="0">
                 <a:solidFill>
                   <a:schemeClr val="lt1"/>
                 </a:solidFill>
@@ -30371,9 +30398,57 @@
                 <a:cs typeface="Calibri"/>
                 <a:sym typeface="Calibri"/>
               </a:rPr>
-              <a:t>. El conjunto de test se separa de los datos y no se toca hasta el final. Todas las transformaciones que apliquemos en train, tiene que salir únicamente del conjunto de train.</a:t>
+              <a:t>. El conjunto de test se separa de los datos y no se toca hasta el final. Todas las transformaciones que apliquemos en </a:t>
             </a:r>
-            <a:endParaRPr/>
+            <a:r>
+              <a:rPr lang="es-ES" sz="1400" dirty="0" err="1">
+                <a:solidFill>
+                  <a:schemeClr val="lt1"/>
+                </a:solidFill>
+                <a:latin typeface="Calibri"/>
+                <a:ea typeface="Calibri"/>
+                <a:cs typeface="Calibri"/>
+                <a:sym typeface="Calibri"/>
+              </a:rPr>
+              <a:t>train</a:t>
+            </a:r>
+            <a:r>
+              <a:rPr lang="es-ES" sz="1400" dirty="0">
+                <a:solidFill>
+                  <a:schemeClr val="lt1"/>
+                </a:solidFill>
+                <a:latin typeface="Calibri"/>
+                <a:ea typeface="Calibri"/>
+                <a:cs typeface="Calibri"/>
+                <a:sym typeface="Calibri"/>
+              </a:rPr>
+              <a:t>, tiene que salir únicamente del conjunto de </a:t>
+            </a:r>
+            <a:r>
+              <a:rPr lang="es-ES" sz="1400" dirty="0" err="1">
+                <a:solidFill>
+                  <a:schemeClr val="lt1"/>
+                </a:solidFill>
+                <a:latin typeface="Calibri"/>
+                <a:ea typeface="Calibri"/>
+                <a:cs typeface="Calibri"/>
+                <a:sym typeface="Calibri"/>
+              </a:rPr>
+              <a:t>train</a:t>
+            </a:r>
+            <a:r>
+              <a:rPr lang="es-ES" sz="1400" dirty="0">
+                <a:solidFill>
+                  <a:schemeClr val="lt1"/>
+                </a:solidFill>
+                <a:latin typeface="Calibri"/>
+                <a:ea typeface="Calibri"/>
+                <a:cs typeface="Calibri"/>
+                <a:sym typeface="Calibri"/>
+              </a:rPr>
+              <a:t>.</a:t>
+            </a:r>
+            <a:endParaRPr dirty="0"/>
           </a:p>
           <a:p>
             <a:pPr marL="0" marR="0" lvl="0" indent="0" algn="l" rtl="0">
@@ -30385,7 +30460,7 @@
               </a:spcAft>
               <a:buNone/>
             </a:pPr>
-            <a:endParaRPr sz="1400">
+            <a:endParaRPr sz="1400" dirty="0">
               <a:solidFill>
                 <a:schemeClr val="lt1"/>
               </a:solidFill>
@@ -30406,7 +30481,7 @@
               <a:buNone/>
             </a:pPr>
             <a:r>
-              <a:rPr lang="es-ES" sz="1400">
+              <a:rPr lang="es-ES" sz="1400" dirty="0">
                 <a:solidFill>
                   <a:schemeClr val="lt1"/>
                 </a:solidFill>
@@ -30415,10 +30490,10 @@
                 <a:cs typeface="Calibri"/>
                 <a:sym typeface="Calibri"/>
               </a:rPr>
-              <a:t>Ejemplo: si vamos a imputar missings en una columna por su media (imaginemos 31.24 con todos los datos), á la hora de imputarla en el conjunto de train, estaríamos utilizando los datos de test para imputar esa media, cuando en realidad </a:t>
+              <a:t>Ejemplo: si vamos a imputar </a:t>
             </a:r>
             <a:r>
-              <a:rPr lang="es-ES" sz="1400" b="1">
+              <a:rPr lang="es-ES" sz="1400" dirty="0" err="1">
                 <a:solidFill>
                   <a:schemeClr val="lt1"/>
                 </a:solidFill>
@@ -30427,10 +30502,10 @@
                 <a:cs typeface="Calibri"/>
                 <a:sym typeface="Calibri"/>
               </a:rPr>
-              <a:t>para los datos de train, los de test son completamente desconocidos</a:t>
+              <a:t>missings</a:t>
             </a:r>
             <a:r>
-              <a:rPr lang="es-ES" sz="1400">
+              <a:rPr lang="es-ES" sz="1400" dirty="0">
                 <a:solidFill>
                   <a:schemeClr val="lt1"/>
                 </a:solidFill>
@@ -30439,9 +30514,129 @@
                 <a:cs typeface="Calibri"/>
                 <a:sym typeface="Calibri"/>
               </a:rPr>
-              <a:t>. La media del conjunto de train podría ser de 22.67, muy lejos de la media de train + test.</a:t>
+              <a:t> en una columna por su media (imaginemos 31.24 con todos los datos), a la hora de imputarla en el conjunto de </a:t>
             </a:r>
-            <a:endParaRPr/>
+            <a:r>
+              <a:rPr lang="es-ES" sz="1400" dirty="0" err="1">
+                <a:solidFill>
+                  <a:schemeClr val="lt1"/>
+                </a:solidFill>
+                <a:latin typeface="Calibri"/>
+                <a:ea typeface="Calibri"/>
+                <a:cs typeface="Calibri"/>
+                <a:sym typeface="Calibri"/>
+              </a:rPr>
+              <a:t>train</a:t>
+            </a:r>
+            <a:r>
+              <a:rPr lang="es-ES" sz="1400" dirty="0">
+                <a:solidFill>
+                  <a:schemeClr val="lt1"/>
+                </a:solidFill>
+                <a:latin typeface="Calibri"/>
+                <a:ea typeface="Calibri"/>
+                <a:cs typeface="Calibri"/>
+                <a:sym typeface="Calibri"/>
+              </a:rPr>
+              <a:t>, estaríamos utilizando los datos de test para imputar esa media, cuando en realidad </a:t>
+            </a:r>
+            <a:r>
+              <a:rPr lang="es-ES" sz="1400" b="1" dirty="0">
+                <a:solidFill>
+                  <a:schemeClr val="lt1"/>
+                </a:solidFill>
+                <a:latin typeface="Calibri"/>
+                <a:ea typeface="Calibri"/>
+                <a:cs typeface="Calibri"/>
+                <a:sym typeface="Calibri"/>
+              </a:rPr>
+              <a:t>para los datos de </a:t>
+            </a:r>
+            <a:r>
+              <a:rPr lang="es-ES" sz="1400" b="1" dirty="0" err="1">
+                <a:solidFill>
+                  <a:schemeClr val="lt1"/>
+                </a:solidFill>
+                <a:latin typeface="Calibri"/>
+                <a:ea typeface="Calibri"/>
+                <a:cs typeface="Calibri"/>
+                <a:sym typeface="Calibri"/>
+              </a:rPr>
+              <a:t>train</a:t>
+            </a:r>
+            <a:r>
+              <a:rPr lang="es-ES" sz="1400" b="1" dirty="0">
+                <a:solidFill>
+                  <a:schemeClr val="lt1"/>
+                </a:solidFill>
+                <a:latin typeface="Calibri"/>
+                <a:ea typeface="Calibri"/>
+                <a:cs typeface="Calibri"/>
+                <a:sym typeface="Calibri"/>
+              </a:rPr>
+              <a:t>, los de test son completamente desconocidos</a:t>
+            </a:r>
+            <a:r>
+              <a:rPr lang="es-ES" sz="1400" dirty="0">
+                <a:solidFill>
+                  <a:schemeClr val="lt1"/>
+                </a:solidFill>
+                <a:latin typeface="Calibri"/>
+                <a:ea typeface="Calibri"/>
+                <a:cs typeface="Calibri"/>
+                <a:sym typeface="Calibri"/>
+              </a:rPr>
+              <a:t>. La media del conjunto de </a:t>
+            </a:r>
+            <a:r>
+              <a:rPr lang="es-ES" sz="1400" dirty="0" err="1">
+                <a:solidFill>
+                  <a:schemeClr val="lt1"/>
+                </a:solidFill>
+                <a:latin typeface="Calibri"/>
+                <a:ea typeface="Calibri"/>
+                <a:cs typeface="Calibri"/>
+                <a:sym typeface="Calibri"/>
+              </a:rPr>
+              <a:t>train</a:t>
+            </a:r>
+            <a:r>
+              <a:rPr lang="es-ES" sz="1400" dirty="0">
+                <a:solidFill>
+                  <a:schemeClr val="lt1"/>
+                </a:solidFill>
+                <a:latin typeface="Calibri"/>
+                <a:ea typeface="Calibri"/>
+                <a:cs typeface="Calibri"/>
+                <a:sym typeface="Calibri"/>
+              </a:rPr>
+              <a:t> podría ser de 22.67, muy lejos de la media de </a:t>
+            </a:r>
+            <a:r>
+              <a:rPr lang="es-ES" sz="1400" dirty="0" err="1">
+                <a:solidFill>
+                  <a:schemeClr val="lt1"/>
+                </a:solidFill>
+                <a:latin typeface="Calibri"/>
+                <a:ea typeface="Calibri"/>
+                <a:cs typeface="Calibri"/>
+                <a:sym typeface="Calibri"/>
+              </a:rPr>
+              <a:t>train</a:t>
+            </a:r>
+            <a:r>
+              <a:rPr lang="es-ES" sz="1400" dirty="0">
+                <a:solidFill>
+                  <a:schemeClr val="lt1"/>
+                </a:solidFill>
+                <a:latin typeface="Calibri"/>
+                <a:ea typeface="Calibri"/>
+                <a:cs typeface="Calibri"/>
+                <a:sym typeface="Calibri"/>
+              </a:rPr>
+              <a:t> + test.</a:t>
+            </a:r>
+            <a:endParaRPr dirty="0"/>
           </a:p>
           <a:p>
             <a:pPr marL="0" marR="0" lvl="0" indent="0" algn="l" rtl="0">
@@ -30453,7 +30648,7 @@
               </a:spcAft>
               <a:buNone/>
             </a:pPr>
-            <a:endParaRPr sz="1400">
+            <a:endParaRPr sz="1400" dirty="0">
               <a:solidFill>
                 <a:schemeClr val="lt1"/>
               </a:solidFill>
@@ -30473,7 +30668,7 @@
               </a:spcAft>
               <a:buNone/>
             </a:pPr>
-            <a:endParaRPr sz="1400">
+            <a:endParaRPr sz="1400" dirty="0">
               <a:solidFill>
                 <a:schemeClr val="lt1"/>
               </a:solidFill>
@@ -30494,7 +30689,7 @@
               <a:buNone/>
             </a:pPr>
             <a:r>
-              <a:rPr lang="es-ES" sz="1800" b="1">
+              <a:rPr lang="es-ES" sz="1800" b="1" dirty="0">
                 <a:solidFill>
                   <a:schemeClr val="lt1"/>
                 </a:solidFill>
@@ -30505,7 +30700,7 @@
               </a:rPr>
               <a:t>¿Cómo aplicar las transformaciones/limpieza obtenidas hasta ahora?</a:t>
             </a:r>
-            <a:endParaRPr/>
+            <a:endParaRPr dirty="0"/>
           </a:p>
           <a:p>
             <a:pPr marL="285750" marR="0" lvl="0" indent="-285750" algn="l" rtl="0">
@@ -30523,7 +30718,7 @@
               <a:buChar char="•"/>
             </a:pPr>
             <a:r>
-              <a:rPr lang="es-ES" sz="1400" b="1">
+              <a:rPr lang="es-ES" sz="1400" b="1" dirty="0" err="1">
                 <a:solidFill>
                   <a:schemeClr val="lt1"/>
                 </a:solidFill>
@@ -30535,7 +30730,7 @@
               <a:t>Scalers</a:t>
             </a:r>
             <a:r>
-              <a:rPr lang="es-ES" sz="1400">
+              <a:rPr lang="es-ES" sz="1400" dirty="0">
                 <a:solidFill>
                   <a:schemeClr val="lt1"/>
                 </a:solidFill>
@@ -30544,9 +30739,81 @@
                 <a:cs typeface="Calibri"/>
                 <a:sym typeface="Calibri"/>
               </a:rPr>
-              <a:t>: por ejemplo, si tenemos un StandardScaler en train, usar ese mismo StandardScaler en test.</a:t>
+              <a:t>: por ejemplo, si tenemos un </a:t>
             </a:r>
-            <a:endParaRPr/>
+            <a:r>
+              <a:rPr lang="es-ES" sz="1400" dirty="0" err="1">
+                <a:solidFill>
+                  <a:schemeClr val="lt1"/>
+                </a:solidFill>
+                <a:latin typeface="Calibri"/>
+                <a:ea typeface="Calibri"/>
+                <a:cs typeface="Calibri"/>
+                <a:sym typeface="Calibri"/>
+              </a:rPr>
+              <a:t>StandardScaler</a:t>
+            </a:r>
+            <a:r>
+              <a:rPr lang="es-ES" sz="1400" dirty="0">
+                <a:solidFill>
+                  <a:schemeClr val="lt1"/>
+                </a:solidFill>
+                <a:latin typeface="Calibri"/>
+                <a:ea typeface="Calibri"/>
+                <a:cs typeface="Calibri"/>
+                <a:sym typeface="Calibri"/>
+              </a:rPr>
+              <a:t> en </a:t>
+            </a:r>
+            <a:r>
+              <a:rPr lang="es-ES" sz="1400" dirty="0" err="1">
+                <a:solidFill>
+                  <a:schemeClr val="lt1"/>
+                </a:solidFill>
+                <a:latin typeface="Calibri"/>
+                <a:ea typeface="Calibri"/>
+                <a:cs typeface="Calibri"/>
+                <a:sym typeface="Calibri"/>
+              </a:rPr>
+              <a:t>train</a:t>
+            </a:r>
+            <a:r>
+              <a:rPr lang="es-ES" sz="1400" dirty="0">
+                <a:solidFill>
+                  <a:schemeClr val="lt1"/>
+                </a:solidFill>
+                <a:latin typeface="Calibri"/>
+                <a:ea typeface="Calibri"/>
+                <a:cs typeface="Calibri"/>
+                <a:sym typeface="Calibri"/>
+              </a:rPr>
+              <a:t>, usar ese mismo </a:t>
+            </a:r>
+            <a:r>
+              <a:rPr lang="es-ES" sz="1400" dirty="0" err="1">
+                <a:solidFill>
+                  <a:schemeClr val="lt1"/>
+                </a:solidFill>
+                <a:latin typeface="Calibri"/>
+                <a:ea typeface="Calibri"/>
+                <a:cs typeface="Calibri"/>
+                <a:sym typeface="Calibri"/>
+              </a:rPr>
+              <a:t>StandardScaler</a:t>
+            </a:r>
+            <a:r>
+              <a:rPr lang="es-ES" sz="1400" dirty="0">
+                <a:solidFill>
+                  <a:schemeClr val="lt1"/>
+                </a:solidFill>
+                <a:latin typeface="Calibri"/>
+                <a:ea typeface="Calibri"/>
+                <a:cs typeface="Calibri"/>
+                <a:sym typeface="Calibri"/>
+              </a:rPr>
+              <a:t> en test.</a:t>
+            </a:r>
+            <a:endParaRPr dirty="0"/>
           </a:p>
           <a:p>
             <a:pPr marL="285750" marR="0" lvl="0" indent="-285750" algn="l" rtl="0">
@@ -30564,7 +30831,7 @@
               <a:buChar char="•"/>
             </a:pPr>
             <a:r>
-              <a:rPr lang="es-ES" sz="1400" b="1">
+              <a:rPr lang="es-ES" sz="1400" b="1" dirty="0" err="1">
                 <a:solidFill>
                   <a:schemeClr val="lt1"/>
                 </a:solidFill>
@@ -30576,7 +30843,7 @@
               <a:t>Outliers</a:t>
             </a:r>
             <a:r>
-              <a:rPr lang="es-ES" sz="1400">
+              <a:rPr lang="es-ES" sz="1400" dirty="0">
                 <a:solidFill>
                   <a:schemeClr val="lt1"/>
                 </a:solidFill>
@@ -30585,9 +30852,105 @@
                 <a:cs typeface="Calibri"/>
                 <a:sym typeface="Calibri"/>
               </a:rPr>
-              <a:t>: Si filtrábamos outliers en train a partir de 100, lo mismo en test. Cuidado aquí con eliminar registros si estamos en una competición de Kaggle porque la cantidad de muestras que van a test no puede variar. Por lo general NO es recomendable eliminar outliers en test.</a:t>
+              <a:t>: Si filtrábamos </a:t>
             </a:r>
-            <a:endParaRPr/>
+            <a:r>
+              <a:rPr lang="es-ES" sz="1400" dirty="0" err="1">
+                <a:solidFill>
+                  <a:schemeClr val="lt1"/>
+                </a:solidFill>
+                <a:latin typeface="Calibri"/>
+                <a:ea typeface="Calibri"/>
+                <a:cs typeface="Calibri"/>
+                <a:sym typeface="Calibri"/>
+              </a:rPr>
+              <a:t>outliers</a:t>
+            </a:r>
+            <a:r>
+              <a:rPr lang="es-ES" sz="1400" dirty="0">
+                <a:solidFill>
+                  <a:schemeClr val="lt1"/>
+                </a:solidFill>
+                <a:latin typeface="Calibri"/>
+                <a:ea typeface="Calibri"/>
+                <a:cs typeface="Calibri"/>
+                <a:sym typeface="Calibri"/>
+              </a:rPr>
+              <a:t> en </a:t>
+            </a:r>
+            <a:r>
+              <a:rPr lang="es-ES" sz="1400" dirty="0" err="1">
+                <a:solidFill>
+                  <a:schemeClr val="lt1"/>
+                </a:solidFill>
+                <a:latin typeface="Calibri"/>
+                <a:ea typeface="Calibri"/>
+                <a:cs typeface="Calibri"/>
+                <a:sym typeface="Calibri"/>
+              </a:rPr>
+              <a:t>train</a:t>
+            </a:r>
+            <a:r>
+              <a:rPr lang="es-ES" sz="1400" dirty="0">
+                <a:solidFill>
+                  <a:schemeClr val="lt1"/>
+                </a:solidFill>
+                <a:latin typeface="Calibri"/>
+                <a:ea typeface="Calibri"/>
+                <a:cs typeface="Calibri"/>
+                <a:sym typeface="Calibri"/>
+              </a:rPr>
+              <a:t> a partir de 100, lo mismo en test. Cuidado aquí con eliminar registros si estamos en una competición de </a:t>
+            </a:r>
+            <a:r>
+              <a:rPr lang="es-ES" sz="1400" dirty="0" err="1">
+                <a:solidFill>
+                  <a:schemeClr val="lt1"/>
+                </a:solidFill>
+                <a:latin typeface="Calibri"/>
+                <a:ea typeface="Calibri"/>
+                <a:cs typeface="Calibri"/>
+                <a:sym typeface="Calibri"/>
+              </a:rPr>
+              <a:t>Kaggle</a:t>
+            </a:r>
+            <a:r>
+              <a:rPr lang="es-ES" sz="1400" dirty="0">
+                <a:solidFill>
+                  <a:schemeClr val="lt1"/>
+                </a:solidFill>
+                <a:latin typeface="Calibri"/>
+                <a:ea typeface="Calibri"/>
+                <a:cs typeface="Calibri"/>
+                <a:sym typeface="Calibri"/>
+              </a:rPr>
+              <a:t> porque la cantidad de muestras que van a test no puede variar. Por lo general NO es recomendable eliminar </a:t>
+            </a:r>
+            <a:r>
+              <a:rPr lang="es-ES" sz="1400" dirty="0" err="1">
+                <a:solidFill>
+                  <a:schemeClr val="lt1"/>
+                </a:solidFill>
+                <a:latin typeface="Calibri"/>
+                <a:ea typeface="Calibri"/>
+                <a:cs typeface="Calibri"/>
+                <a:sym typeface="Calibri"/>
+              </a:rPr>
+              <a:t>outliers</a:t>
+            </a:r>
+            <a:r>
+              <a:rPr lang="es-ES" sz="1400" dirty="0">
+                <a:solidFill>
+                  <a:schemeClr val="lt1"/>
+                </a:solidFill>
+                <a:latin typeface="Calibri"/>
+                <a:ea typeface="Calibri"/>
+                <a:cs typeface="Calibri"/>
+                <a:sym typeface="Calibri"/>
+              </a:rPr>
+              <a:t> en test.</a:t>
+            </a:r>
+            <a:endParaRPr dirty="0"/>
           </a:p>
           <a:p>
             <a:pPr marL="285750" marR="0" lvl="0" indent="-285750" algn="l" rtl="0">
@@ -30605,7 +30968,7 @@
               <a:buChar char="•"/>
             </a:pPr>
             <a:r>
-              <a:rPr lang="es-ES" sz="1400" b="1">
+              <a:rPr lang="es-ES" sz="1400" b="1" dirty="0" err="1">
                 <a:solidFill>
                   <a:schemeClr val="lt1"/>
                 </a:solidFill>
@@ -30617,7 +30980,7 @@
               <a:t>Missings</a:t>
             </a:r>
             <a:r>
-              <a:rPr lang="es-ES" sz="1400">
+              <a:rPr lang="es-ES" sz="1400" dirty="0">
                 <a:solidFill>
                   <a:schemeClr val="lt1"/>
                 </a:solidFill>
@@ -30626,9 +30989,33 @@
                 <a:cs typeface="Calibri"/>
                 <a:sym typeface="Calibri"/>
               </a:rPr>
-              <a:t>: si aplicábamos la media/mediana/moda en train, aplicar esa misma métrica en test.</a:t>
+              <a:t>: si aplicábamos la media/mediana/moda en </a:t>
             </a:r>
-            <a:endParaRPr/>
+            <a:r>
+              <a:rPr lang="es-ES" sz="1400" dirty="0" err="1">
+                <a:solidFill>
+                  <a:schemeClr val="lt1"/>
+                </a:solidFill>
+                <a:latin typeface="Calibri"/>
+                <a:ea typeface="Calibri"/>
+                <a:cs typeface="Calibri"/>
+                <a:sym typeface="Calibri"/>
+              </a:rPr>
+              <a:t>train</a:t>
+            </a:r>
+            <a:r>
+              <a:rPr lang="es-ES" sz="1400" dirty="0">
+                <a:solidFill>
+                  <a:schemeClr val="lt1"/>
+                </a:solidFill>
+                <a:latin typeface="Calibri"/>
+                <a:ea typeface="Calibri"/>
+                <a:cs typeface="Calibri"/>
+                <a:sym typeface="Calibri"/>
+              </a:rPr>
+              <a:t>, aplicar esa misma métrica en test.</a:t>
+            </a:r>
+            <a:endParaRPr dirty="0"/>
           </a:p>
           <a:p>
             <a:pPr marL="285750" marR="0" lvl="0" indent="-285750" algn="l" rtl="0">
@@ -30646,7 +31033,7 @@
               <a:buChar char="•"/>
             </a:pPr>
             <a:r>
-              <a:rPr lang="es-ES" sz="1400" b="1">
+              <a:rPr lang="es-ES" sz="1400" b="1" dirty="0" err="1">
                 <a:solidFill>
                   <a:schemeClr val="lt1"/>
                 </a:solidFill>
@@ -30655,10 +31042,10 @@
                 <a:cs typeface="Calibri"/>
                 <a:sym typeface="Calibri"/>
               </a:rPr>
-              <a:t>Feature reduction</a:t>
+              <a:t>Feature</a:t>
             </a:r>
             <a:r>
-              <a:rPr lang="es-ES" sz="1400">
+              <a:rPr lang="es-ES" sz="1400" b="1" dirty="0">
                 <a:solidFill>
                   <a:schemeClr val="lt1"/>
                 </a:solidFill>
@@ -30667,9 +31054,81 @@
                 <a:cs typeface="Calibri"/>
                 <a:sym typeface="Calibri"/>
               </a:rPr>
-              <a:t>: eliminar las features que quitábamos en train.</a:t>
+              <a:t> </a:t>
             </a:r>
-            <a:endParaRPr/>
+            <a:r>
+              <a:rPr lang="es-ES" sz="1400" b="1" dirty="0" err="1">
+                <a:solidFill>
+                  <a:schemeClr val="lt1"/>
+                </a:solidFill>
+                <a:latin typeface="Calibri"/>
+                <a:ea typeface="Calibri"/>
+                <a:cs typeface="Calibri"/>
+                <a:sym typeface="Calibri"/>
+              </a:rPr>
+              <a:t>reduction</a:t>
+            </a:r>
+            <a:r>
+              <a:rPr lang="es-ES" sz="1400" dirty="0">
+                <a:solidFill>
+                  <a:schemeClr val="lt1"/>
+                </a:solidFill>
+                <a:latin typeface="Calibri"/>
+                <a:ea typeface="Calibri"/>
+                <a:cs typeface="Calibri"/>
+                <a:sym typeface="Calibri"/>
+              </a:rPr>
+              <a:t>: eliminar las </a:t>
+            </a:r>
+            <a:r>
+              <a:rPr lang="es-ES" sz="1400" dirty="0" err="1">
+                <a:solidFill>
+                  <a:schemeClr val="lt1"/>
+                </a:solidFill>
+                <a:latin typeface="Calibri"/>
+                <a:ea typeface="Calibri"/>
+                <a:cs typeface="Calibri"/>
+                <a:sym typeface="Calibri"/>
+              </a:rPr>
+              <a:t>features</a:t>
+            </a:r>
+            <a:r>
+              <a:rPr lang="es-ES" sz="1400" dirty="0">
+                <a:solidFill>
+                  <a:schemeClr val="lt1"/>
+                </a:solidFill>
+                <a:latin typeface="Calibri"/>
+                <a:ea typeface="Calibri"/>
+                <a:cs typeface="Calibri"/>
+                <a:sym typeface="Calibri"/>
+              </a:rPr>
+              <a:t> que quitábamos en </a:t>
+            </a:r>
+            <a:r>
+              <a:rPr lang="es-ES" sz="1400" dirty="0" err="1">
+                <a:solidFill>
+                  <a:schemeClr val="lt1"/>
+                </a:solidFill>
+                <a:latin typeface="Calibri"/>
+                <a:ea typeface="Calibri"/>
+                <a:cs typeface="Calibri"/>
+                <a:sym typeface="Calibri"/>
+              </a:rPr>
+              <a:t>train</a:t>
+            </a:r>
+            <a:r>
+              <a:rPr lang="es-ES" sz="1400" dirty="0">
+                <a:solidFill>
+                  <a:schemeClr val="lt1"/>
+                </a:solidFill>
+                <a:latin typeface="Calibri"/>
+                <a:ea typeface="Calibri"/>
+                <a:cs typeface="Calibri"/>
+                <a:sym typeface="Calibri"/>
+              </a:rPr>
+              <a:t>.</a:t>
+            </a:r>
+            <a:endParaRPr dirty="0"/>
           </a:p>
           <a:p>
             <a:pPr marL="285750" marR="0" lvl="0" indent="-285750" algn="l" rtl="0">
@@ -30687,7 +31146,7 @@
               <a:buChar char="•"/>
             </a:pPr>
             <a:r>
-              <a:rPr lang="es-ES" sz="1400" b="1">
+              <a:rPr lang="es-ES" sz="1400" b="1" dirty="0" err="1">
                 <a:solidFill>
                   <a:schemeClr val="lt1"/>
                 </a:solidFill>
@@ -30696,10 +31155,10 @@
                 <a:cs typeface="Calibri"/>
                 <a:sym typeface="Calibri"/>
               </a:rPr>
-              <a:t>Feature engineering</a:t>
+              <a:t>Feature</a:t>
             </a:r>
             <a:r>
-              <a:rPr lang="es-ES" sz="1400">
+              <a:rPr lang="es-ES" sz="1400" b="1" dirty="0">
                 <a:solidFill>
                   <a:schemeClr val="lt1"/>
                 </a:solidFill>
@@ -30708,9 +31167,57 @@
                 <a:cs typeface="Calibri"/>
                 <a:sym typeface="Calibri"/>
               </a:rPr>
-              <a:t>: mismos cálculos que en train.</a:t>
+              <a:t> </a:t>
             </a:r>
-            <a:endParaRPr/>
+            <a:r>
+              <a:rPr lang="es-ES" sz="1400" b="1" dirty="0" err="1">
+                <a:solidFill>
+                  <a:schemeClr val="lt1"/>
+                </a:solidFill>
+                <a:latin typeface="Calibri"/>
+                <a:ea typeface="Calibri"/>
+                <a:cs typeface="Calibri"/>
+                <a:sym typeface="Calibri"/>
+              </a:rPr>
+              <a:t>engineering</a:t>
+            </a:r>
+            <a:r>
+              <a:rPr lang="es-ES" sz="1400" dirty="0">
+                <a:solidFill>
+                  <a:schemeClr val="lt1"/>
+                </a:solidFill>
+                <a:latin typeface="Calibri"/>
+                <a:ea typeface="Calibri"/>
+                <a:cs typeface="Calibri"/>
+                <a:sym typeface="Calibri"/>
+              </a:rPr>
+              <a:t>: mismos cálculos que en </a:t>
+            </a:r>
+            <a:r>
+              <a:rPr lang="es-ES" sz="1400" dirty="0" err="1">
+                <a:solidFill>
+                  <a:schemeClr val="lt1"/>
+                </a:solidFill>
+                <a:latin typeface="Calibri"/>
+                <a:ea typeface="Calibri"/>
+                <a:cs typeface="Calibri"/>
+                <a:sym typeface="Calibri"/>
+              </a:rPr>
+              <a:t>train</a:t>
+            </a:r>
+            <a:r>
+              <a:rPr lang="es-ES" sz="1400" dirty="0">
+                <a:solidFill>
+                  <a:schemeClr val="lt1"/>
+                </a:solidFill>
+                <a:latin typeface="Calibri"/>
+                <a:ea typeface="Calibri"/>
+                <a:cs typeface="Calibri"/>
+                <a:sym typeface="Calibri"/>
+              </a:rPr>
+              <a:t>.</a:t>
+            </a:r>
+            <a:endParaRPr dirty="0"/>
           </a:p>
         </p:txBody>
       </p:sp>
